--- a/Presentation1.pptx
+++ b/Presentation1.pptx
@@ -4,6 +4,9 @@
   <p:sldMasterIdLst>
     <p:sldMasterId id="2147483648" r:id="rId1"/>
   </p:sldMasterIdLst>
+  <p:notesMasterIdLst>
+    <p:notesMasterId r:id="rId3"/>
+  </p:notesMasterIdLst>
   <p:sldIdLst>
     <p:sldId id="256" r:id="rId2"/>
   </p:sldIdLst>
@@ -104,7 +107,445 @@
       </a:defRPr>
     </a:lvl9pPr>
   </p:defaultTextStyle>
+  <p:extLst>
+    <p:ext uri="{EFAFB233-063F-42B5-8137-9DF3F51BA10A}">
+      <p15:sldGuideLst xmlns:p15="http://schemas.microsoft.com/office/powerpoint/2012/main"/>
+    </p:ext>
+  </p:extLst>
 </p:presentation>
+</file>
+
+<file path=ppt/notesMasters/notesMaster1.xml><?xml version="1.0" encoding="utf-8"?>
+<p:notesMaster xmlns:a="http://schemas.openxmlformats.org/drawingml/2006/main" xmlns:r="http://schemas.openxmlformats.org/officeDocument/2006/relationships" xmlns:p="http://schemas.openxmlformats.org/presentationml/2006/main">
+  <p:cSld>
+    <p:bg>
+      <p:bgRef idx="1001">
+        <a:schemeClr val="bg1"/>
+      </p:bgRef>
+    </p:bg>
+    <p:spTree>
+      <p:nvGrpSpPr>
+        <p:cNvPr id="1" name=""/>
+        <p:cNvGrpSpPr/>
+        <p:nvPr/>
+      </p:nvGrpSpPr>
+      <p:grpSpPr>
+        <a:xfrm>
+          <a:off x="0" y="0"/>
+          <a:ext cx="0" cy="0"/>
+          <a:chOff x="0" y="0"/>
+          <a:chExt cx="0" cy="0"/>
+        </a:xfrm>
+      </p:grpSpPr>
+      <p:sp>
+        <p:nvSpPr>
+          <p:cNvPr id="2" name="Header Placeholder 1"/>
+          <p:cNvSpPr>
+            <a:spLocks noGrp="1"/>
+          </p:cNvSpPr>
+          <p:nvPr>
+            <p:ph type="hdr" sz="quarter"/>
+          </p:nvPr>
+        </p:nvSpPr>
+        <p:spPr>
+          <a:xfrm>
+            <a:off x="0" y="0"/>
+            <a:ext cx="2971800" cy="458788"/>
+          </a:xfrm>
+          <a:prstGeom prst="rect">
+            <a:avLst/>
+          </a:prstGeom>
+        </p:spPr>
+        <p:txBody>
+          <a:bodyPr vert="horz" lIns="91440" tIns="45720" rIns="91440" bIns="45720" rtlCol="0"/>
+          <a:lstStyle>
+            <a:lvl1pPr algn="l">
+              <a:defRPr sz="1200"/>
+            </a:lvl1pPr>
+          </a:lstStyle>
+          <a:p>
+            <a:endParaRPr lang="en-US"/>
+          </a:p>
+        </p:txBody>
+      </p:sp>
+      <p:sp>
+        <p:nvSpPr>
+          <p:cNvPr id="3" name="Date Placeholder 2"/>
+          <p:cNvSpPr>
+            <a:spLocks noGrp="1"/>
+          </p:cNvSpPr>
+          <p:nvPr>
+            <p:ph type="dt" idx="1"/>
+          </p:nvPr>
+        </p:nvSpPr>
+        <p:spPr>
+          <a:xfrm>
+            <a:off x="3884613" y="0"/>
+            <a:ext cx="2971800" cy="458788"/>
+          </a:xfrm>
+          <a:prstGeom prst="rect">
+            <a:avLst/>
+          </a:prstGeom>
+        </p:spPr>
+        <p:txBody>
+          <a:bodyPr vert="horz" lIns="91440" tIns="45720" rIns="91440" bIns="45720" rtlCol="0"/>
+          <a:lstStyle>
+            <a:lvl1pPr algn="r">
+              <a:defRPr sz="1200"/>
+            </a:lvl1pPr>
+          </a:lstStyle>
+          <a:p>
+            <a:fld id="{A60E3DC2-D325-4476-A73D-3F36FA24A8E2}" type="datetimeFigureOut">
+              <a:rPr lang="en-US" smtClean="0"/>
+              <a:t>8/4/2020</a:t>
+            </a:fld>
+            <a:endParaRPr lang="en-US"/>
+          </a:p>
+        </p:txBody>
+      </p:sp>
+      <p:sp>
+        <p:nvSpPr>
+          <p:cNvPr id="4" name="Slide Image Placeholder 3"/>
+          <p:cNvSpPr>
+            <a:spLocks noGrp="1" noRot="1" noChangeAspect="1"/>
+          </p:cNvSpPr>
+          <p:nvPr>
+            <p:ph type="sldImg" idx="2"/>
+          </p:nvPr>
+        </p:nvSpPr>
+        <p:spPr>
+          <a:xfrm>
+            <a:off x="685800" y="1143000"/>
+            <a:ext cx="5486400" cy="3086100"/>
+          </a:xfrm>
+          <a:prstGeom prst="rect">
+            <a:avLst/>
+          </a:prstGeom>
+          <a:noFill/>
+          <a:ln w="12700">
+            <a:solidFill>
+              <a:prstClr val="black"/>
+            </a:solidFill>
+          </a:ln>
+        </p:spPr>
+        <p:txBody>
+          <a:bodyPr vert="horz" lIns="91440" tIns="45720" rIns="91440" bIns="45720" rtlCol="0" anchor="ctr"/>
+          <a:lstStyle/>
+          <a:p>
+            <a:endParaRPr lang="en-US"/>
+          </a:p>
+        </p:txBody>
+      </p:sp>
+      <p:sp>
+        <p:nvSpPr>
+          <p:cNvPr id="5" name="Notes Placeholder 4"/>
+          <p:cNvSpPr>
+            <a:spLocks noGrp="1"/>
+          </p:cNvSpPr>
+          <p:nvPr>
+            <p:ph type="body" sz="quarter" idx="3"/>
+          </p:nvPr>
+        </p:nvSpPr>
+        <p:spPr>
+          <a:xfrm>
+            <a:off x="685800" y="4400550"/>
+            <a:ext cx="5486400" cy="3600450"/>
+          </a:xfrm>
+          <a:prstGeom prst="rect">
+            <a:avLst/>
+          </a:prstGeom>
+        </p:spPr>
+        <p:txBody>
+          <a:bodyPr vert="horz" lIns="91440" tIns="45720" rIns="91440" bIns="45720" rtlCol="0"/>
+          <a:lstStyle/>
+          <a:p>
+            <a:pPr lvl="0"/>
+            <a:r>
+              <a:rPr lang="en-US"/>
+              <a:t>Click to edit Master text styles</a:t>
+            </a:r>
+          </a:p>
+          <a:p>
+            <a:pPr lvl="1"/>
+            <a:r>
+              <a:rPr lang="en-US"/>
+              <a:t>Second level</a:t>
+            </a:r>
+          </a:p>
+          <a:p>
+            <a:pPr lvl="2"/>
+            <a:r>
+              <a:rPr lang="en-US"/>
+              <a:t>Third level</a:t>
+            </a:r>
+          </a:p>
+          <a:p>
+            <a:pPr lvl="3"/>
+            <a:r>
+              <a:rPr lang="en-US"/>
+              <a:t>Fourth level</a:t>
+            </a:r>
+          </a:p>
+          <a:p>
+            <a:pPr lvl="4"/>
+            <a:r>
+              <a:rPr lang="en-US"/>
+              <a:t>Fifth level</a:t>
+            </a:r>
+          </a:p>
+        </p:txBody>
+      </p:sp>
+      <p:sp>
+        <p:nvSpPr>
+          <p:cNvPr id="6" name="Footer Placeholder 5"/>
+          <p:cNvSpPr>
+            <a:spLocks noGrp="1"/>
+          </p:cNvSpPr>
+          <p:nvPr>
+            <p:ph type="ftr" sz="quarter" idx="4"/>
+          </p:nvPr>
+        </p:nvSpPr>
+        <p:spPr>
+          <a:xfrm>
+            <a:off x="0" y="8685213"/>
+            <a:ext cx="2971800" cy="458787"/>
+          </a:xfrm>
+          <a:prstGeom prst="rect">
+            <a:avLst/>
+          </a:prstGeom>
+        </p:spPr>
+        <p:txBody>
+          <a:bodyPr vert="horz" lIns="91440" tIns="45720" rIns="91440" bIns="45720" rtlCol="0" anchor="b"/>
+          <a:lstStyle>
+            <a:lvl1pPr algn="l">
+              <a:defRPr sz="1200"/>
+            </a:lvl1pPr>
+          </a:lstStyle>
+          <a:p>
+            <a:endParaRPr lang="en-US"/>
+          </a:p>
+        </p:txBody>
+      </p:sp>
+      <p:sp>
+        <p:nvSpPr>
+          <p:cNvPr id="7" name="Slide Number Placeholder 6"/>
+          <p:cNvSpPr>
+            <a:spLocks noGrp="1"/>
+          </p:cNvSpPr>
+          <p:nvPr>
+            <p:ph type="sldNum" sz="quarter" idx="5"/>
+          </p:nvPr>
+        </p:nvSpPr>
+        <p:spPr>
+          <a:xfrm>
+            <a:off x="3884613" y="8685213"/>
+            <a:ext cx="2971800" cy="458787"/>
+          </a:xfrm>
+          <a:prstGeom prst="rect">
+            <a:avLst/>
+          </a:prstGeom>
+        </p:spPr>
+        <p:txBody>
+          <a:bodyPr vert="horz" lIns="91440" tIns="45720" rIns="91440" bIns="45720" rtlCol="0" anchor="b"/>
+          <a:lstStyle>
+            <a:lvl1pPr algn="r">
+              <a:defRPr sz="1200"/>
+            </a:lvl1pPr>
+          </a:lstStyle>
+          <a:p>
+            <a:fld id="{18E17406-E9EF-4B5A-A1F1-D8292EF4E8EE}" type="slidenum">
+              <a:rPr lang="en-US" smtClean="0"/>
+              <a:t>‹#›</a:t>
+            </a:fld>
+            <a:endParaRPr lang="en-US"/>
+          </a:p>
+        </p:txBody>
+      </p:sp>
+    </p:spTree>
+    <p:extLst>
+      <p:ext uri="{BB962C8B-B14F-4D97-AF65-F5344CB8AC3E}">
+        <p14:creationId xmlns:p14="http://schemas.microsoft.com/office/powerpoint/2010/main" val="2365103249"/>
+      </p:ext>
+    </p:extLst>
+  </p:cSld>
+  <p:clrMap bg1="lt1" tx1="dk1" bg2="lt2" tx2="dk2" accent1="accent1" accent2="accent2" accent3="accent3" accent4="accent4" accent5="accent5" accent6="accent6" hlink="hlink" folHlink="folHlink"/>
+  <p:notesStyle>
+    <a:lvl1pPr marL="0" algn="l" defTabSz="914400" rtl="0" eaLnBrk="1" latinLnBrk="0" hangingPunct="1">
+      <a:defRPr sz="1200" kern="1200">
+        <a:solidFill>
+          <a:schemeClr val="tx1"/>
+        </a:solidFill>
+        <a:latin typeface="+mn-lt"/>
+        <a:ea typeface="+mn-ea"/>
+        <a:cs typeface="+mn-cs"/>
+      </a:defRPr>
+    </a:lvl1pPr>
+    <a:lvl2pPr marL="457200" algn="l" defTabSz="914400" rtl="0" eaLnBrk="1" latinLnBrk="0" hangingPunct="1">
+      <a:defRPr sz="1200" kern="1200">
+        <a:solidFill>
+          <a:schemeClr val="tx1"/>
+        </a:solidFill>
+        <a:latin typeface="+mn-lt"/>
+        <a:ea typeface="+mn-ea"/>
+        <a:cs typeface="+mn-cs"/>
+      </a:defRPr>
+    </a:lvl2pPr>
+    <a:lvl3pPr marL="914400" algn="l" defTabSz="914400" rtl="0" eaLnBrk="1" latinLnBrk="0" hangingPunct="1">
+      <a:defRPr sz="1200" kern="1200">
+        <a:solidFill>
+          <a:schemeClr val="tx1"/>
+        </a:solidFill>
+        <a:latin typeface="+mn-lt"/>
+        <a:ea typeface="+mn-ea"/>
+        <a:cs typeface="+mn-cs"/>
+      </a:defRPr>
+    </a:lvl3pPr>
+    <a:lvl4pPr marL="1371600" algn="l" defTabSz="914400" rtl="0" eaLnBrk="1" latinLnBrk="0" hangingPunct="1">
+      <a:defRPr sz="1200" kern="1200">
+        <a:solidFill>
+          <a:schemeClr val="tx1"/>
+        </a:solidFill>
+        <a:latin typeface="+mn-lt"/>
+        <a:ea typeface="+mn-ea"/>
+        <a:cs typeface="+mn-cs"/>
+      </a:defRPr>
+    </a:lvl4pPr>
+    <a:lvl5pPr marL="1828800" algn="l" defTabSz="914400" rtl="0" eaLnBrk="1" latinLnBrk="0" hangingPunct="1">
+      <a:defRPr sz="1200" kern="1200">
+        <a:solidFill>
+          <a:schemeClr val="tx1"/>
+        </a:solidFill>
+        <a:latin typeface="+mn-lt"/>
+        <a:ea typeface="+mn-ea"/>
+        <a:cs typeface="+mn-cs"/>
+      </a:defRPr>
+    </a:lvl5pPr>
+    <a:lvl6pPr marL="2286000" algn="l" defTabSz="914400" rtl="0" eaLnBrk="1" latinLnBrk="0" hangingPunct="1">
+      <a:defRPr sz="1200" kern="1200">
+        <a:solidFill>
+          <a:schemeClr val="tx1"/>
+        </a:solidFill>
+        <a:latin typeface="+mn-lt"/>
+        <a:ea typeface="+mn-ea"/>
+        <a:cs typeface="+mn-cs"/>
+      </a:defRPr>
+    </a:lvl6pPr>
+    <a:lvl7pPr marL="2743200" algn="l" defTabSz="914400" rtl="0" eaLnBrk="1" latinLnBrk="0" hangingPunct="1">
+      <a:defRPr sz="1200" kern="1200">
+        <a:solidFill>
+          <a:schemeClr val="tx1"/>
+        </a:solidFill>
+        <a:latin typeface="+mn-lt"/>
+        <a:ea typeface="+mn-ea"/>
+        <a:cs typeface="+mn-cs"/>
+      </a:defRPr>
+    </a:lvl7pPr>
+    <a:lvl8pPr marL="3200400" algn="l" defTabSz="914400" rtl="0" eaLnBrk="1" latinLnBrk="0" hangingPunct="1">
+      <a:defRPr sz="1200" kern="1200">
+        <a:solidFill>
+          <a:schemeClr val="tx1"/>
+        </a:solidFill>
+        <a:latin typeface="+mn-lt"/>
+        <a:ea typeface="+mn-ea"/>
+        <a:cs typeface="+mn-cs"/>
+      </a:defRPr>
+    </a:lvl8pPr>
+    <a:lvl9pPr marL="3657600" algn="l" defTabSz="914400" rtl="0" eaLnBrk="1" latinLnBrk="0" hangingPunct="1">
+      <a:defRPr sz="1200" kern="1200">
+        <a:solidFill>
+          <a:schemeClr val="tx1"/>
+        </a:solidFill>
+        <a:latin typeface="+mn-lt"/>
+        <a:ea typeface="+mn-ea"/>
+        <a:cs typeface="+mn-cs"/>
+      </a:defRPr>
+    </a:lvl9pPr>
+  </p:notesStyle>
+</p:notesMaster>
+</file>
+
+<file path=ppt/notesSlides/notesSlide1.xml><?xml version="1.0" encoding="utf-8"?>
+<p:notes xmlns:a="http://schemas.openxmlformats.org/drawingml/2006/main" xmlns:r="http://schemas.openxmlformats.org/officeDocument/2006/relationships" xmlns:p="http://schemas.openxmlformats.org/presentationml/2006/main">
+  <p:cSld>
+    <p:spTree>
+      <p:nvGrpSpPr>
+        <p:cNvPr id="1" name=""/>
+        <p:cNvGrpSpPr/>
+        <p:nvPr/>
+      </p:nvGrpSpPr>
+      <p:grpSpPr>
+        <a:xfrm>
+          <a:off x="0" y="0"/>
+          <a:ext cx="0" cy="0"/>
+          <a:chOff x="0" y="0"/>
+          <a:chExt cx="0" cy="0"/>
+        </a:xfrm>
+      </p:grpSpPr>
+      <p:sp>
+        <p:nvSpPr>
+          <p:cNvPr id="2" name="Slide Image Placeholder 1"/>
+          <p:cNvSpPr>
+            <a:spLocks noGrp="1" noRot="1" noChangeAspect="1"/>
+          </p:cNvSpPr>
+          <p:nvPr>
+            <p:ph type="sldImg"/>
+          </p:nvPr>
+        </p:nvSpPr>
+        <p:spPr/>
+      </p:sp>
+      <p:sp>
+        <p:nvSpPr>
+          <p:cNvPr id="3" name="Notes Placeholder 2"/>
+          <p:cNvSpPr>
+            <a:spLocks noGrp="1"/>
+          </p:cNvSpPr>
+          <p:nvPr>
+            <p:ph type="body" idx="1"/>
+          </p:nvPr>
+        </p:nvSpPr>
+        <p:spPr/>
+        <p:txBody>
+          <a:bodyPr/>
+          <a:lstStyle/>
+          <a:p>
+            <a:endParaRPr lang="en-US" dirty="0"/>
+          </a:p>
+        </p:txBody>
+      </p:sp>
+      <p:sp>
+        <p:nvSpPr>
+          <p:cNvPr id="4" name="Slide Number Placeholder 3"/>
+          <p:cNvSpPr>
+            <a:spLocks noGrp="1"/>
+          </p:cNvSpPr>
+          <p:nvPr>
+            <p:ph type="sldNum" sz="quarter" idx="5"/>
+          </p:nvPr>
+        </p:nvSpPr>
+        <p:spPr/>
+        <p:txBody>
+          <a:bodyPr/>
+          <a:lstStyle/>
+          <a:p>
+            <a:fld id="{18E17406-E9EF-4B5A-A1F1-D8292EF4E8EE}" type="slidenum">
+              <a:rPr lang="en-US" smtClean="0"/>
+              <a:t>1</a:t>
+            </a:fld>
+            <a:endParaRPr lang="en-US"/>
+          </a:p>
+        </p:txBody>
+      </p:sp>
+    </p:spTree>
+    <p:extLst>
+      <p:ext uri="{BB962C8B-B14F-4D97-AF65-F5344CB8AC3E}">
+        <p14:creationId xmlns:p14="http://schemas.microsoft.com/office/powerpoint/2010/main" val="4021165025"/>
+      </p:ext>
+    </p:extLst>
+  </p:cSld>
+  <p:clrMapOvr>
+    <a:masterClrMapping/>
+  </p:clrMapOvr>
+</p:notes>
 </file>
 
 <file path=ppt/slideLayouts/slideLayout1.xml><?xml version="1.0" encoding="utf-8"?>
@@ -254,7 +695,7 @@
           <a:p>
             <a:fld id="{B0F9E4F9-2CBE-49E1-AF7A-0BC73D28CAB3}" type="datetimeFigureOut">
               <a:rPr lang="en-US" smtClean="0"/>
-              <a:t>7/29/2020</a:t>
+              <a:t>8/4/2020</a:t>
             </a:fld>
             <a:endParaRPr lang="en-US"/>
           </a:p>
@@ -452,7 +893,7 @@
           <a:p>
             <a:fld id="{B0F9E4F9-2CBE-49E1-AF7A-0BC73D28CAB3}" type="datetimeFigureOut">
               <a:rPr lang="en-US" smtClean="0"/>
-              <a:t>7/29/2020</a:t>
+              <a:t>8/4/2020</a:t>
             </a:fld>
             <a:endParaRPr lang="en-US"/>
           </a:p>
@@ -660,7 +1101,7 @@
           <a:p>
             <a:fld id="{B0F9E4F9-2CBE-49E1-AF7A-0BC73D28CAB3}" type="datetimeFigureOut">
               <a:rPr lang="en-US" smtClean="0"/>
-              <a:t>7/29/2020</a:t>
+              <a:t>8/4/2020</a:t>
             </a:fld>
             <a:endParaRPr lang="en-US"/>
           </a:p>
@@ -858,7 +1299,7 @@
           <a:p>
             <a:fld id="{B0F9E4F9-2CBE-49E1-AF7A-0BC73D28CAB3}" type="datetimeFigureOut">
               <a:rPr lang="en-US" smtClean="0"/>
-              <a:t>7/29/2020</a:t>
+              <a:t>8/4/2020</a:t>
             </a:fld>
             <a:endParaRPr lang="en-US"/>
           </a:p>
@@ -1133,7 +1574,7 @@
           <a:p>
             <a:fld id="{B0F9E4F9-2CBE-49E1-AF7A-0BC73D28CAB3}" type="datetimeFigureOut">
               <a:rPr lang="en-US" smtClean="0"/>
-              <a:t>7/29/2020</a:t>
+              <a:t>8/4/2020</a:t>
             </a:fld>
             <a:endParaRPr lang="en-US"/>
           </a:p>
@@ -1398,7 +1839,7 @@
           <a:p>
             <a:fld id="{B0F9E4F9-2CBE-49E1-AF7A-0BC73D28CAB3}" type="datetimeFigureOut">
               <a:rPr lang="en-US" smtClean="0"/>
-              <a:t>7/29/2020</a:t>
+              <a:t>8/4/2020</a:t>
             </a:fld>
             <a:endParaRPr lang="en-US"/>
           </a:p>
@@ -1810,7 +2251,7 @@
           <a:p>
             <a:fld id="{B0F9E4F9-2CBE-49E1-AF7A-0BC73D28CAB3}" type="datetimeFigureOut">
               <a:rPr lang="en-US" smtClean="0"/>
-              <a:t>7/29/2020</a:t>
+              <a:t>8/4/2020</a:t>
             </a:fld>
             <a:endParaRPr lang="en-US"/>
           </a:p>
@@ -1951,7 +2392,7 @@
           <a:p>
             <a:fld id="{B0F9E4F9-2CBE-49E1-AF7A-0BC73D28CAB3}" type="datetimeFigureOut">
               <a:rPr lang="en-US" smtClean="0"/>
-              <a:t>7/29/2020</a:t>
+              <a:t>8/4/2020</a:t>
             </a:fld>
             <a:endParaRPr lang="en-US"/>
           </a:p>
@@ -2064,7 +2505,7 @@
           <a:p>
             <a:fld id="{B0F9E4F9-2CBE-49E1-AF7A-0BC73D28CAB3}" type="datetimeFigureOut">
               <a:rPr lang="en-US" smtClean="0"/>
-              <a:t>7/29/2020</a:t>
+              <a:t>8/4/2020</a:t>
             </a:fld>
             <a:endParaRPr lang="en-US"/>
           </a:p>
@@ -2375,7 +2816,7 @@
           <a:p>
             <a:fld id="{B0F9E4F9-2CBE-49E1-AF7A-0BC73D28CAB3}" type="datetimeFigureOut">
               <a:rPr lang="en-US" smtClean="0"/>
-              <a:t>7/29/2020</a:t>
+              <a:t>8/4/2020</a:t>
             </a:fld>
             <a:endParaRPr lang="en-US"/>
           </a:p>
@@ -2663,7 +3104,7 @@
           <a:p>
             <a:fld id="{B0F9E4F9-2CBE-49E1-AF7A-0BC73D28CAB3}" type="datetimeFigureOut">
               <a:rPr lang="en-US" smtClean="0"/>
-              <a:t>7/29/2020</a:t>
+              <a:t>8/4/2020</a:t>
             </a:fld>
             <a:endParaRPr lang="en-US"/>
           </a:p>
@@ -2904,7 +3345,7 @@
           <a:p>
             <a:fld id="{B0F9E4F9-2CBE-49E1-AF7A-0BC73D28CAB3}" type="datetimeFigureOut">
               <a:rPr lang="en-US" smtClean="0"/>
-              <a:t>7/29/2020</a:t>
+              <a:t>8/4/2020</a:t>
             </a:fld>
             <a:endParaRPr lang="en-US"/>
           </a:p>
@@ -3323,10 +3764,10 @@
       </p:grpSpPr>
       <p:pic>
         <p:nvPicPr>
-          <p:cNvPr id="9" name="Picture 8" descr="A close up of a logo&#10;&#10;Description automatically generated">
-            <a:extLst>
-              <a:ext uri="{FF2B5EF4-FFF2-40B4-BE49-F238E27FC236}">
-                <a16:creationId xmlns:a16="http://schemas.microsoft.com/office/drawing/2014/main" id="{B06ECA6E-637B-464C-BD9F-860AF5FA459F}"/>
+          <p:cNvPr id="54" name="Picture 53" descr="A close up of a logo&#10;&#10;Description automatically generated">
+            <a:extLst>
+              <a:ext uri="{FF2B5EF4-FFF2-40B4-BE49-F238E27FC236}">
+                <a16:creationId xmlns:a16="http://schemas.microsoft.com/office/drawing/2014/main" id="{36BD61EB-E4E4-4574-A4AA-8210D5B639C1}"/>
               </a:ext>
             </a:extLst>
           </p:cNvPr>
@@ -3336,7 +3777,7 @@
           <p:nvPr/>
         </p:nvPicPr>
         <p:blipFill>
-          <a:blip r:embed="rId2">
+          <a:blip r:embed="rId3">
             <a:extLst>
               <a:ext uri="{28A0092B-C50C-407E-A947-70E740481C1C}">
                 <a14:useLocalDpi xmlns:a14="http://schemas.microsoft.com/office/drawing/2010/main" val="0"/>
@@ -3349,7 +3790,7 @@
         </p:blipFill>
         <p:spPr>
           <a:xfrm>
-            <a:off x="4507825" y="2392073"/>
+            <a:off x="138706" y="2438977"/>
             <a:ext cx="3729663" cy="2097673"/>
           </a:xfrm>
           <a:prstGeom prst="rect">
@@ -3359,10 +3800,10 @@
       </p:pic>
       <p:pic>
         <p:nvPicPr>
-          <p:cNvPr id="5" name="Picture 4" descr="A screenshot of a cell phone&#10;&#10;Description automatically generated">
-            <a:extLst>
-              <a:ext uri="{FF2B5EF4-FFF2-40B4-BE49-F238E27FC236}">
-                <a16:creationId xmlns:a16="http://schemas.microsoft.com/office/drawing/2014/main" id="{E8EEBADB-CC7A-4002-BB0E-18505979E156}"/>
+          <p:cNvPr id="56" name="Picture 55" descr="A close up of a logo&#10;&#10;Description automatically generated">
+            <a:extLst>
+              <a:ext uri="{FF2B5EF4-FFF2-40B4-BE49-F238E27FC236}">
+                <a16:creationId xmlns:a16="http://schemas.microsoft.com/office/drawing/2014/main" id="{4F0075BD-FE7A-49BC-B3CA-A5F4278B167A}"/>
               </a:ext>
             </a:extLst>
           </p:cNvPr>
@@ -3372,7 +3813,7 @@
           <p:nvPr/>
         </p:nvPicPr>
         <p:blipFill>
-          <a:blip r:embed="rId3">
+          <a:blip r:embed="rId4">
             <a:extLst>
               <a:ext uri="{28A0092B-C50C-407E-A947-70E740481C1C}">
                 <a14:useLocalDpi xmlns:a14="http://schemas.microsoft.com/office/drawing/2010/main" val="0"/>
@@ -3385,7 +3826,7 @@
         </p:blipFill>
         <p:spPr>
           <a:xfrm>
-            <a:off x="134224" y="238412"/>
+            <a:off x="133705" y="225297"/>
             <a:ext cx="3729663" cy="2097673"/>
           </a:xfrm>
           <a:prstGeom prst="rect">
@@ -3395,10 +3836,10 @@
       </p:pic>
       <p:pic>
         <p:nvPicPr>
-          <p:cNvPr id="7" name="Picture 6" descr="A screenshot of a cell phone&#10;&#10;Description automatically generated">
-            <a:extLst>
-              <a:ext uri="{FF2B5EF4-FFF2-40B4-BE49-F238E27FC236}">
-                <a16:creationId xmlns:a16="http://schemas.microsoft.com/office/drawing/2014/main" id="{7ADD698A-5F60-4647-9BB4-2D942F3E2896}"/>
+          <p:cNvPr id="58" name="Picture 57" descr="A close up of a logo&#10;&#10;Description automatically generated">
+            <a:extLst>
+              <a:ext uri="{FF2B5EF4-FFF2-40B4-BE49-F238E27FC236}">
+                <a16:creationId xmlns:a16="http://schemas.microsoft.com/office/drawing/2014/main" id="{964BC2C2-27A6-45E4-8090-FAC59E2DFC09}"/>
               </a:ext>
             </a:extLst>
           </p:cNvPr>
@@ -3408,7 +3849,7 @@
           <p:nvPr/>
         </p:nvPicPr>
         <p:blipFill>
-          <a:blip r:embed="rId4">
+          <a:blip r:embed="rId5">
             <a:extLst>
               <a:ext uri="{28A0092B-C50C-407E-A947-70E740481C1C}">
                 <a14:useLocalDpi xmlns:a14="http://schemas.microsoft.com/office/drawing/2010/main" val="0"/>
@@ -3421,7 +3862,7 @@
         </p:blipFill>
         <p:spPr>
           <a:xfrm>
-            <a:off x="4551423" y="238412"/>
+            <a:off x="4231168" y="2426254"/>
             <a:ext cx="3729663" cy="2097673"/>
           </a:xfrm>
           <a:prstGeom prst="rect">
@@ -3431,10 +3872,10 @@
       </p:pic>
       <p:pic>
         <p:nvPicPr>
-          <p:cNvPr id="11" name="Picture 10" descr="A close up of a logo&#10;&#10;Description automatically generated">
-            <a:extLst>
-              <a:ext uri="{FF2B5EF4-FFF2-40B4-BE49-F238E27FC236}">
-                <a16:creationId xmlns:a16="http://schemas.microsoft.com/office/drawing/2014/main" id="{253F947F-1C8E-45FD-B9C2-E393ED0F0214}"/>
+          <p:cNvPr id="60" name="Picture 59" descr="A close up of a logo&#10;&#10;Description automatically generated">
+            <a:extLst>
+              <a:ext uri="{FF2B5EF4-FFF2-40B4-BE49-F238E27FC236}">
+                <a16:creationId xmlns:a16="http://schemas.microsoft.com/office/drawing/2014/main" id="{7AF858F2-E80F-49AC-BF10-7187ABB48CE4}"/>
               </a:ext>
             </a:extLst>
           </p:cNvPr>
@@ -3444,7 +3885,7 @@
           <p:nvPr/>
         </p:nvPicPr>
         <p:blipFill>
-          <a:blip r:embed="rId5">
+          <a:blip r:embed="rId6">
             <a:extLst>
               <a:ext uri="{28A0092B-C50C-407E-A947-70E740481C1C}">
                 <a14:useLocalDpi xmlns:a14="http://schemas.microsoft.com/office/drawing/2010/main" val="0"/>
@@ -3457,7 +3898,7 @@
         </p:blipFill>
         <p:spPr>
           <a:xfrm>
-            <a:off x="120562" y="4533824"/>
+            <a:off x="4264505" y="209723"/>
             <a:ext cx="3729663" cy="2097673"/>
           </a:xfrm>
           <a:prstGeom prst="rect">
@@ -3467,10 +3908,10 @@
       </p:pic>
       <p:pic>
         <p:nvPicPr>
-          <p:cNvPr id="13" name="Picture 12">
-            <a:extLst>
-              <a:ext uri="{FF2B5EF4-FFF2-40B4-BE49-F238E27FC236}">
-                <a16:creationId xmlns:a16="http://schemas.microsoft.com/office/drawing/2014/main" id="{204D7B56-5B4A-457E-9664-1FA05F026BE6}"/>
+          <p:cNvPr id="62" name="Picture 61" descr="A close up of a logo&#10;&#10;Description automatically generated">
+            <a:extLst>
+              <a:ext uri="{FF2B5EF4-FFF2-40B4-BE49-F238E27FC236}">
+                <a16:creationId xmlns:a16="http://schemas.microsoft.com/office/drawing/2014/main" id="{50E0549B-61DB-4DAA-81FF-8ED28B015917}"/>
               </a:ext>
             </a:extLst>
           </p:cNvPr>
@@ -3480,7 +3921,7 @@
           <p:nvPr/>
         </p:nvPicPr>
         <p:blipFill>
-          <a:blip r:embed="rId6">
+          <a:blip r:embed="rId7">
             <a:extLst>
               <a:ext uri="{28A0092B-C50C-407E-A947-70E740481C1C}">
                 <a14:useLocalDpi xmlns:a14="http://schemas.microsoft.com/office/drawing/2010/main" val="0"/>
@@ -3493,7 +3934,7 @@
         </p:blipFill>
         <p:spPr>
           <a:xfrm>
-            <a:off x="134225" y="2380163"/>
+            <a:off x="8415311" y="175195"/>
             <a:ext cx="3729663" cy="2097673"/>
           </a:xfrm>
           <a:prstGeom prst="rect">
@@ -3515,7 +3956,7 @@
         </p:nvSpPr>
         <p:spPr>
           <a:xfrm>
-            <a:off x="1" y="119206"/>
+            <a:off x="18146" y="2302703"/>
             <a:ext cx="3910914" cy="1990602"/>
           </a:xfrm>
           <a:prstGeom prst="roundRect">
@@ -3567,7 +4008,7 @@
         </p:nvSpPr>
         <p:spPr>
           <a:xfrm>
-            <a:off x="4417200" y="119206"/>
+            <a:off x="-517" y="104688"/>
             <a:ext cx="3910914" cy="1990602"/>
           </a:xfrm>
           <a:prstGeom prst="roundRect">
@@ -3619,7 +4060,7 @@
         </p:nvSpPr>
         <p:spPr>
           <a:xfrm>
-            <a:off x="1" y="2272868"/>
+            <a:off x="8278758" y="67901"/>
             <a:ext cx="3910914" cy="1990602"/>
           </a:xfrm>
           <a:prstGeom prst="roundRect">
@@ -3671,7 +4112,7 @@
         </p:nvSpPr>
         <p:spPr>
           <a:xfrm>
-            <a:off x="4417200" y="2272868"/>
+            <a:off x="4143633" y="2317716"/>
             <a:ext cx="3910914" cy="1990602"/>
           </a:xfrm>
           <a:prstGeom prst="roundRect">
@@ -3723,7 +4164,7 @@
         </p:nvSpPr>
         <p:spPr>
           <a:xfrm>
-            <a:off x="-517" y="4426530"/>
+            <a:off x="4143426" y="99751"/>
             <a:ext cx="3910914" cy="1990602"/>
           </a:xfrm>
           <a:prstGeom prst="roundRect">
@@ -3777,7 +4218,7 @@
             </p:nvSpPr>
             <p:spPr>
               <a:xfrm>
-                <a:off x="4142792" y="4426530"/>
+                <a:off x="-6220" y="4536650"/>
                 <a:ext cx="6102220" cy="1619289"/>
               </a:xfrm>
               <a:prstGeom prst="rect">
@@ -5093,14 +5534,14 @@
             </p:nvSpPr>
             <p:spPr>
               <a:xfrm>
-                <a:off x="4142792" y="4426530"/>
+                <a:off x="-6220" y="4536650"/>
                 <a:ext cx="6102220" cy="1619289"/>
               </a:xfrm>
               <a:prstGeom prst="rect">
                 <a:avLst/>
               </a:prstGeom>
               <a:blipFill>
-                <a:blip r:embed="rId7"/>
+                <a:blip r:embed="rId8"/>
                 <a:stretch>
                   <a:fillRect/>
                 </a:stretch>
@@ -5135,7 +5576,7 @@
         </p:nvSpPr>
         <p:spPr>
           <a:xfrm>
-            <a:off x="6077338" y="5271796"/>
+            <a:off x="1928326" y="5381916"/>
             <a:ext cx="1153886" cy="653143"/>
           </a:xfrm>
           <a:prstGeom prst="roundRect">
@@ -5187,7 +5628,7 @@
         </p:nvSpPr>
         <p:spPr>
           <a:xfrm>
-            <a:off x="8346776" y="5271795"/>
+            <a:off x="4197764" y="5381915"/>
             <a:ext cx="1153886" cy="653143"/>
           </a:xfrm>
           <a:prstGeom prst="roundRect">
@@ -5239,7 +5680,7 @@
         </p:nvSpPr>
         <p:spPr>
           <a:xfrm>
-            <a:off x="5537719" y="4477836"/>
+            <a:off x="1388707" y="4587956"/>
             <a:ext cx="891074" cy="458058"/>
           </a:xfrm>
           <a:prstGeom prst="roundRect">
@@ -5291,7 +5732,7 @@
         </p:nvSpPr>
         <p:spPr>
           <a:xfrm>
-            <a:off x="7616133" y="4477836"/>
+            <a:off x="3467121" y="4587956"/>
             <a:ext cx="1070668" cy="458058"/>
           </a:xfrm>
           <a:prstGeom prst="roundRect">
@@ -5343,7 +5784,7 @@
         </p:nvSpPr>
         <p:spPr>
           <a:xfrm>
-            <a:off x="8900533" y="4477836"/>
+            <a:off x="4751521" y="4587956"/>
             <a:ext cx="986159" cy="458058"/>
           </a:xfrm>
           <a:prstGeom prst="roundRect">
@@ -5378,6 +5819,265 @@
           <a:p>
             <a:pPr algn="ctr"/>
             <a:endParaRPr lang="en-US"/>
+          </a:p>
+        </p:txBody>
+      </p:sp>
+      <p:sp>
+        <p:nvSpPr>
+          <p:cNvPr id="12" name="Circle: Hollow 11">
+            <a:extLst>
+              <a:ext uri="{FF2B5EF4-FFF2-40B4-BE49-F238E27FC236}">
+                <a16:creationId xmlns:a16="http://schemas.microsoft.com/office/drawing/2014/main" id="{896EB356-B4EA-48C6-8857-C959E3F6C235}"/>
+              </a:ext>
+            </a:extLst>
+          </p:cNvPr>
+          <p:cNvSpPr/>
+          <p:nvPr/>
+        </p:nvSpPr>
+        <p:spPr>
+          <a:xfrm>
+            <a:off x="1314215" y="623423"/>
+            <a:ext cx="411060" cy="419449"/>
+          </a:xfrm>
+          <a:prstGeom prst="donut">
+            <a:avLst/>
+          </a:prstGeom>
+          <a:solidFill>
+            <a:schemeClr val="tx1"/>
+          </a:solidFill>
+          <a:ln>
+            <a:noFill/>
+          </a:ln>
+        </p:spPr>
+        <p:style>
+          <a:lnRef idx="2">
+            <a:schemeClr val="accent1">
+              <a:shade val="50000"/>
+            </a:schemeClr>
+          </a:lnRef>
+          <a:fillRef idx="1">
+            <a:schemeClr val="accent1"/>
+          </a:fillRef>
+          <a:effectRef idx="0">
+            <a:schemeClr val="accent1"/>
+          </a:effectRef>
+          <a:fontRef idx="minor">
+            <a:schemeClr val="lt1"/>
+          </a:fontRef>
+        </p:style>
+        <p:txBody>
+          <a:bodyPr rtlCol="0" anchor="ctr"/>
+          <a:lstStyle/>
+          <a:p>
+            <a:pPr algn="ctr"/>
+            <a:endParaRPr lang="en-US" baseline="-25000" dirty="0">
+              <a:solidFill>
+                <a:schemeClr val="tx1"/>
+              </a:solidFill>
+            </a:endParaRPr>
+          </a:p>
+        </p:txBody>
+      </p:sp>
+      <p:sp>
+        <p:nvSpPr>
+          <p:cNvPr id="20" name="Circle: Hollow 19">
+            <a:extLst>
+              <a:ext uri="{FF2B5EF4-FFF2-40B4-BE49-F238E27FC236}">
+                <a16:creationId xmlns:a16="http://schemas.microsoft.com/office/drawing/2014/main" id="{E94A8A44-61A0-4C6F-8D90-C077F50E0317}"/>
+              </a:ext>
+            </a:extLst>
+          </p:cNvPr>
+          <p:cNvSpPr/>
+          <p:nvPr/>
+        </p:nvSpPr>
+        <p:spPr>
+          <a:xfrm>
+            <a:off x="1314215" y="240962"/>
+            <a:ext cx="411060" cy="419449"/>
+          </a:xfrm>
+          <a:prstGeom prst="donut">
+            <a:avLst/>
+          </a:prstGeom>
+          <a:solidFill>
+            <a:schemeClr val="tx1"/>
+          </a:solidFill>
+          <a:ln>
+            <a:noFill/>
+          </a:ln>
+        </p:spPr>
+        <p:style>
+          <a:lnRef idx="2">
+            <a:schemeClr val="accent1">
+              <a:shade val="50000"/>
+            </a:schemeClr>
+          </a:lnRef>
+          <a:fillRef idx="1">
+            <a:schemeClr val="accent1"/>
+          </a:fillRef>
+          <a:effectRef idx="0">
+            <a:schemeClr val="accent1"/>
+          </a:effectRef>
+          <a:fontRef idx="minor">
+            <a:schemeClr val="lt1"/>
+          </a:fontRef>
+        </p:style>
+        <p:txBody>
+          <a:bodyPr rtlCol="0" anchor="ctr"/>
+          <a:lstStyle/>
+          <a:p>
+            <a:pPr algn="ctr"/>
+            <a:endParaRPr lang="en-US" baseline="-25000" dirty="0">
+              <a:solidFill>
+                <a:schemeClr val="tx1"/>
+              </a:solidFill>
+            </a:endParaRPr>
+          </a:p>
+        </p:txBody>
+      </p:sp>
+      <p:sp>
+        <p:nvSpPr>
+          <p:cNvPr id="38" name="Circle: Hollow 37">
+            <a:extLst>
+              <a:ext uri="{FF2B5EF4-FFF2-40B4-BE49-F238E27FC236}">
+                <a16:creationId xmlns:a16="http://schemas.microsoft.com/office/drawing/2014/main" id="{AE0AEB48-4C91-4F81-B2ED-7D7B007EFD13}"/>
+              </a:ext>
+            </a:extLst>
+          </p:cNvPr>
+          <p:cNvSpPr/>
+          <p:nvPr/>
+        </p:nvSpPr>
+        <p:spPr>
+          <a:xfrm>
+            <a:off x="534842" y="623423"/>
+            <a:ext cx="411060" cy="419449"/>
+          </a:xfrm>
+          <a:prstGeom prst="donut">
+            <a:avLst/>
+          </a:prstGeom>
+          <a:solidFill>
+            <a:schemeClr val="tx1"/>
+          </a:solidFill>
+          <a:ln>
+            <a:noFill/>
+          </a:ln>
+        </p:spPr>
+        <p:style>
+          <a:lnRef idx="2">
+            <a:schemeClr val="accent1">
+              <a:shade val="50000"/>
+            </a:schemeClr>
+          </a:lnRef>
+          <a:fillRef idx="1">
+            <a:schemeClr val="accent1"/>
+          </a:fillRef>
+          <a:effectRef idx="0">
+            <a:schemeClr val="accent1"/>
+          </a:effectRef>
+          <a:fontRef idx="minor">
+            <a:schemeClr val="lt1"/>
+          </a:fontRef>
+        </p:style>
+        <p:txBody>
+          <a:bodyPr rtlCol="0" anchor="ctr"/>
+          <a:lstStyle/>
+          <a:p>
+            <a:pPr algn="ctr"/>
+            <a:endParaRPr lang="en-US" baseline="-25000" dirty="0">
+              <a:solidFill>
+                <a:schemeClr val="tx1"/>
+              </a:solidFill>
+            </a:endParaRPr>
+          </a:p>
+        </p:txBody>
+      </p:sp>
+      <p:sp>
+        <p:nvSpPr>
+          <p:cNvPr id="40" name="Circle: Hollow 39">
+            <a:extLst>
+              <a:ext uri="{FF2B5EF4-FFF2-40B4-BE49-F238E27FC236}">
+                <a16:creationId xmlns:a16="http://schemas.microsoft.com/office/drawing/2014/main" id="{875EE790-6662-4506-B615-D376AE064266}"/>
+              </a:ext>
+            </a:extLst>
+          </p:cNvPr>
+          <p:cNvSpPr/>
+          <p:nvPr/>
+        </p:nvSpPr>
+        <p:spPr>
+          <a:xfrm>
+            <a:off x="534842" y="240962"/>
+            <a:ext cx="411060" cy="419449"/>
+          </a:xfrm>
+          <a:prstGeom prst="donut">
+            <a:avLst/>
+          </a:prstGeom>
+          <a:solidFill>
+            <a:schemeClr val="tx1"/>
+          </a:solidFill>
+          <a:ln>
+            <a:noFill/>
+          </a:ln>
+        </p:spPr>
+        <p:style>
+          <a:lnRef idx="2">
+            <a:schemeClr val="accent1">
+              <a:shade val="50000"/>
+            </a:schemeClr>
+          </a:lnRef>
+          <a:fillRef idx="1">
+            <a:schemeClr val="accent1"/>
+          </a:fillRef>
+          <a:effectRef idx="0">
+            <a:schemeClr val="accent1"/>
+          </a:effectRef>
+          <a:fontRef idx="minor">
+            <a:schemeClr val="lt1"/>
+          </a:fontRef>
+        </p:style>
+        <p:txBody>
+          <a:bodyPr rtlCol="0" anchor="ctr"/>
+          <a:lstStyle/>
+          <a:p>
+            <a:pPr algn="ctr"/>
+            <a:endParaRPr lang="en-US" baseline="-25000" dirty="0">
+              <a:solidFill>
+                <a:schemeClr val="tx1"/>
+              </a:solidFill>
+            </a:endParaRPr>
+          </a:p>
+        </p:txBody>
+      </p:sp>
+      <p:sp>
+        <p:nvSpPr>
+          <p:cNvPr id="66" name="TextBox 65">
+            <a:extLst>
+              <a:ext uri="{FF2B5EF4-FFF2-40B4-BE49-F238E27FC236}">
+                <a16:creationId xmlns:a16="http://schemas.microsoft.com/office/drawing/2014/main" id="{C0F838CC-1D95-4DFD-92A5-BC7B84F5DE5A}"/>
+              </a:ext>
+            </a:extLst>
+          </p:cNvPr>
+          <p:cNvSpPr txBox="1"/>
+          <p:nvPr/>
+        </p:nvSpPr>
+        <p:spPr>
+          <a:xfrm>
+            <a:off x="8278757" y="2090353"/>
+            <a:ext cx="5763167" cy="4801314"/>
+          </a:xfrm>
+          <a:prstGeom prst="rect">
+            <a:avLst/>
+          </a:prstGeom>
+          <a:noFill/>
+        </p:spPr>
+        <p:txBody>
+          <a:bodyPr wrap="square" rtlCol="0">
+            <a:spAutoFit/>
+          </a:bodyPr>
+          <a:lstStyle/>
+          <a:p>
+            <a:r>
+              <a:rPr lang="en-US" dirty="0"/>
+              <a:t>Graphical representation of the counting argument used to derive each fraction in the case of an XXYYY system with a diploid autosome count of six. Circles are found on the chromosome we are ‘choosing’ and X’s are placed on chromosomes which are unavailable to be ‘chosen’ due to a previously ‘chosen’ chromosome. The diagrams represent the fractions surrounded by boxes of matching color. For instance, the fraction in the red box represents P(A)P(A|A), the probability of an autosome is first ‘chosen’ to fuse, and a second autosome is ‘chosen’ to fuse with it and is represented by the diagram surrounded by the same color. The diagram above the dotted line shows the probability of choosing one of the six autosomes out of all of the chromosomes. The diagram below the line shows the probability of choosing one of the four autosomes remaining available to be chosen after the first autosome had been chosen. </a:t>
+            </a:r>
           </a:p>
         </p:txBody>
       </p:sp>
@@ -5687,4 +6387,299 @@
     </a:ext>
   </a:extLst>
 </a:theme>
+</file>
+
+<file path=ppt/theme/theme2.xml><?xml version="1.0" encoding="utf-8"?>
+<a:theme xmlns:a="http://schemas.openxmlformats.org/drawingml/2006/main" name="Office Theme">
+  <a:themeElements>
+    <a:clrScheme name="Office">
+      <a:dk1>
+        <a:sysClr val="windowText" lastClr="000000"/>
+      </a:dk1>
+      <a:lt1>
+        <a:sysClr val="window" lastClr="FFFFFF"/>
+      </a:lt1>
+      <a:dk2>
+        <a:srgbClr val="44546A"/>
+      </a:dk2>
+      <a:lt2>
+        <a:srgbClr val="E7E6E6"/>
+      </a:lt2>
+      <a:accent1>
+        <a:srgbClr val="4472C4"/>
+      </a:accent1>
+      <a:accent2>
+        <a:srgbClr val="ED7D31"/>
+      </a:accent2>
+      <a:accent3>
+        <a:srgbClr val="A5A5A5"/>
+      </a:accent3>
+      <a:accent4>
+        <a:srgbClr val="FFC000"/>
+      </a:accent4>
+      <a:accent5>
+        <a:srgbClr val="5B9BD5"/>
+      </a:accent5>
+      <a:accent6>
+        <a:srgbClr val="70AD47"/>
+      </a:accent6>
+      <a:hlink>
+        <a:srgbClr val="0563C1"/>
+      </a:hlink>
+      <a:folHlink>
+        <a:srgbClr val="954F72"/>
+      </a:folHlink>
+    </a:clrScheme>
+    <a:fontScheme name="Office">
+      <a:majorFont>
+        <a:latin typeface="Calibri Light" panose="020F0302020204030204"/>
+        <a:ea typeface=""/>
+        <a:cs typeface=""/>
+        <a:font script="Jpan" typeface="游ゴシック Light"/>
+        <a:font script="Hang" typeface="맑은 고딕"/>
+        <a:font script="Hans" typeface="等线 Light"/>
+        <a:font script="Hant" typeface="新細明體"/>
+        <a:font script="Arab" typeface="Times New Roman"/>
+        <a:font script="Hebr" typeface="Times New Roman"/>
+        <a:font script="Thai" typeface="Angsana New"/>
+        <a:font script="Ethi" typeface="Nyala"/>
+        <a:font script="Beng" typeface="Vrinda"/>
+        <a:font script="Gujr" typeface="Shruti"/>
+        <a:font script="Khmr" typeface="MoolBoran"/>
+        <a:font script="Knda" typeface="Tunga"/>
+        <a:font script="Guru" typeface="Raavi"/>
+        <a:font script="Cans" typeface="Euphemia"/>
+        <a:font script="Cher" typeface="Plantagenet Cherokee"/>
+        <a:font script="Yiii" typeface="Microsoft Yi Baiti"/>
+        <a:font script="Tibt" typeface="Microsoft Himalaya"/>
+        <a:font script="Thaa" typeface="MV Boli"/>
+        <a:font script="Deva" typeface="Mangal"/>
+        <a:font script="Telu" typeface="Gautami"/>
+        <a:font script="Taml" typeface="Latha"/>
+        <a:font script="Syrc" typeface="Estrangelo Edessa"/>
+        <a:font script="Orya" typeface="Kalinga"/>
+        <a:font script="Mlym" typeface="Kartika"/>
+        <a:font script="Laoo" typeface="DokChampa"/>
+        <a:font script="Sinh" typeface="Iskoola Pota"/>
+        <a:font script="Mong" typeface="Mongolian Baiti"/>
+        <a:font script="Viet" typeface="Times New Roman"/>
+        <a:font script="Uigh" typeface="Microsoft Uighur"/>
+        <a:font script="Geor" typeface="Sylfaen"/>
+        <a:font script="Armn" typeface="Arial"/>
+        <a:font script="Bugi" typeface="Leelawadee UI"/>
+        <a:font script="Bopo" typeface="Microsoft JhengHei"/>
+        <a:font script="Java" typeface="Javanese Text"/>
+        <a:font script="Lisu" typeface="Segoe UI"/>
+        <a:font script="Mymr" typeface="Myanmar Text"/>
+        <a:font script="Nkoo" typeface="Ebrima"/>
+        <a:font script="Olck" typeface="Nirmala UI"/>
+        <a:font script="Osma" typeface="Ebrima"/>
+        <a:font script="Phag" typeface="Phagspa"/>
+        <a:font script="Syrn" typeface="Estrangelo Edessa"/>
+        <a:font script="Syrj" typeface="Estrangelo Edessa"/>
+        <a:font script="Syre" typeface="Estrangelo Edessa"/>
+        <a:font script="Sora" typeface="Nirmala UI"/>
+        <a:font script="Tale" typeface="Microsoft Tai Le"/>
+        <a:font script="Talu" typeface="Microsoft New Tai Lue"/>
+        <a:font script="Tfng" typeface="Ebrima"/>
+      </a:majorFont>
+      <a:minorFont>
+        <a:latin typeface="Calibri" panose="020F0502020204030204"/>
+        <a:ea typeface=""/>
+        <a:cs typeface=""/>
+        <a:font script="Jpan" typeface="游ゴシック"/>
+        <a:font script="Hang" typeface="맑은 고딕"/>
+        <a:font script="Hans" typeface="等线"/>
+        <a:font script="Hant" typeface="新細明體"/>
+        <a:font script="Arab" typeface="Arial"/>
+        <a:font script="Hebr" typeface="Arial"/>
+        <a:font script="Thai" typeface="Cordia New"/>
+        <a:font script="Ethi" typeface="Nyala"/>
+        <a:font script="Beng" typeface="Vrinda"/>
+        <a:font script="Gujr" typeface="Shruti"/>
+        <a:font script="Khmr" typeface="DaunPenh"/>
+        <a:font script="Knda" typeface="Tunga"/>
+        <a:font script="Guru" typeface="Raavi"/>
+        <a:font script="Cans" typeface="Euphemia"/>
+        <a:font script="Cher" typeface="Plantagenet Cherokee"/>
+        <a:font script="Yiii" typeface="Microsoft Yi Baiti"/>
+        <a:font script="Tibt" typeface="Microsoft Himalaya"/>
+        <a:font script="Thaa" typeface="MV Boli"/>
+        <a:font script="Deva" typeface="Mangal"/>
+        <a:font script="Telu" typeface="Gautami"/>
+        <a:font script="Taml" typeface="Latha"/>
+        <a:font script="Syrc" typeface="Estrangelo Edessa"/>
+        <a:font script="Orya" typeface="Kalinga"/>
+        <a:font script="Mlym" typeface="Kartika"/>
+        <a:font script="Laoo" typeface="DokChampa"/>
+        <a:font script="Sinh" typeface="Iskoola Pota"/>
+        <a:font script="Mong" typeface="Mongolian Baiti"/>
+        <a:font script="Viet" typeface="Arial"/>
+        <a:font script="Uigh" typeface="Microsoft Uighur"/>
+        <a:font script="Geor" typeface="Sylfaen"/>
+        <a:font script="Armn" typeface="Arial"/>
+        <a:font script="Bugi" typeface="Leelawadee UI"/>
+        <a:font script="Bopo" typeface="Microsoft JhengHei"/>
+        <a:font script="Java" typeface="Javanese Text"/>
+        <a:font script="Lisu" typeface="Segoe UI"/>
+        <a:font script="Mymr" typeface="Myanmar Text"/>
+        <a:font script="Nkoo" typeface="Ebrima"/>
+        <a:font script="Olck" typeface="Nirmala UI"/>
+        <a:font script="Osma" typeface="Ebrima"/>
+        <a:font script="Phag" typeface="Phagspa"/>
+        <a:font script="Syrn" typeface="Estrangelo Edessa"/>
+        <a:font script="Syrj" typeface="Estrangelo Edessa"/>
+        <a:font script="Syre" typeface="Estrangelo Edessa"/>
+        <a:font script="Sora" typeface="Nirmala UI"/>
+        <a:font script="Tale" typeface="Microsoft Tai Le"/>
+        <a:font script="Talu" typeface="Microsoft New Tai Lue"/>
+        <a:font script="Tfng" typeface="Ebrima"/>
+      </a:minorFont>
+    </a:fontScheme>
+    <a:fmtScheme name="Office">
+      <a:fillStyleLst>
+        <a:solidFill>
+          <a:schemeClr val="phClr"/>
+        </a:solidFill>
+        <a:gradFill rotWithShape="1">
+          <a:gsLst>
+            <a:gs pos="0">
+              <a:schemeClr val="phClr">
+                <a:lumMod val="110000"/>
+                <a:satMod val="105000"/>
+                <a:tint val="67000"/>
+              </a:schemeClr>
+            </a:gs>
+            <a:gs pos="50000">
+              <a:schemeClr val="phClr">
+                <a:lumMod val="105000"/>
+                <a:satMod val="103000"/>
+                <a:tint val="73000"/>
+              </a:schemeClr>
+            </a:gs>
+            <a:gs pos="100000">
+              <a:schemeClr val="phClr">
+                <a:lumMod val="105000"/>
+                <a:satMod val="109000"/>
+                <a:tint val="81000"/>
+              </a:schemeClr>
+            </a:gs>
+          </a:gsLst>
+          <a:lin ang="5400000" scaled="0"/>
+        </a:gradFill>
+        <a:gradFill rotWithShape="1">
+          <a:gsLst>
+            <a:gs pos="0">
+              <a:schemeClr val="phClr">
+                <a:satMod val="103000"/>
+                <a:lumMod val="102000"/>
+                <a:tint val="94000"/>
+              </a:schemeClr>
+            </a:gs>
+            <a:gs pos="50000">
+              <a:schemeClr val="phClr">
+                <a:satMod val="110000"/>
+                <a:lumMod val="100000"/>
+                <a:shade val="100000"/>
+              </a:schemeClr>
+            </a:gs>
+            <a:gs pos="100000">
+              <a:schemeClr val="phClr">
+                <a:lumMod val="99000"/>
+                <a:satMod val="120000"/>
+                <a:shade val="78000"/>
+              </a:schemeClr>
+            </a:gs>
+          </a:gsLst>
+          <a:lin ang="5400000" scaled="0"/>
+        </a:gradFill>
+      </a:fillStyleLst>
+      <a:lnStyleLst>
+        <a:ln w="6350" cap="flat" cmpd="sng" algn="ctr">
+          <a:solidFill>
+            <a:schemeClr val="phClr"/>
+          </a:solidFill>
+          <a:prstDash val="solid"/>
+          <a:miter lim="800000"/>
+        </a:ln>
+        <a:ln w="12700" cap="flat" cmpd="sng" algn="ctr">
+          <a:solidFill>
+            <a:schemeClr val="phClr"/>
+          </a:solidFill>
+          <a:prstDash val="solid"/>
+          <a:miter lim="800000"/>
+        </a:ln>
+        <a:ln w="19050" cap="flat" cmpd="sng" algn="ctr">
+          <a:solidFill>
+            <a:schemeClr val="phClr"/>
+          </a:solidFill>
+          <a:prstDash val="solid"/>
+          <a:miter lim="800000"/>
+        </a:ln>
+      </a:lnStyleLst>
+      <a:effectStyleLst>
+        <a:effectStyle>
+          <a:effectLst/>
+        </a:effectStyle>
+        <a:effectStyle>
+          <a:effectLst/>
+        </a:effectStyle>
+        <a:effectStyle>
+          <a:effectLst>
+            <a:outerShdw blurRad="57150" dist="19050" dir="5400000" algn="ctr" rotWithShape="0">
+              <a:srgbClr val="000000">
+                <a:alpha val="63000"/>
+              </a:srgbClr>
+            </a:outerShdw>
+          </a:effectLst>
+        </a:effectStyle>
+      </a:effectStyleLst>
+      <a:bgFillStyleLst>
+        <a:solidFill>
+          <a:schemeClr val="phClr"/>
+        </a:solidFill>
+        <a:solidFill>
+          <a:schemeClr val="phClr">
+            <a:tint val="95000"/>
+            <a:satMod val="170000"/>
+          </a:schemeClr>
+        </a:solidFill>
+        <a:gradFill rotWithShape="1">
+          <a:gsLst>
+            <a:gs pos="0">
+              <a:schemeClr val="phClr">
+                <a:tint val="93000"/>
+                <a:satMod val="150000"/>
+                <a:shade val="98000"/>
+                <a:lumMod val="102000"/>
+              </a:schemeClr>
+            </a:gs>
+            <a:gs pos="50000">
+              <a:schemeClr val="phClr">
+                <a:tint val="98000"/>
+                <a:satMod val="130000"/>
+                <a:shade val="90000"/>
+                <a:lumMod val="103000"/>
+              </a:schemeClr>
+            </a:gs>
+            <a:gs pos="100000">
+              <a:schemeClr val="phClr">
+                <a:shade val="63000"/>
+                <a:satMod val="120000"/>
+              </a:schemeClr>
+            </a:gs>
+          </a:gsLst>
+          <a:lin ang="5400000" scaled="0"/>
+        </a:gradFill>
+      </a:bgFillStyleLst>
+    </a:fmtScheme>
+  </a:themeElements>
+  <a:objectDefaults/>
+  <a:extraClrSchemeLst/>
+  <a:extLst>
+    <a:ext uri="{05A4C25C-085E-4340-85A3-A5531E510DB2}">
+      <thm15:themeFamily xmlns:thm15="http://schemas.microsoft.com/office/thememl/2012/main" name="Office Theme" id="{62F939B6-93AF-4DB8-9C6B-D6C7DFDC589F}" vid="{4A3C46E8-61CC-4603-A589-7422A47A8E4A}"/>
+    </a:ext>
+  </a:extLst>
+</a:theme>
 </file>